--- a/Presentations/Twinrelect_presentation_2025.pptx
+++ b/Presentations/Twinrelect_presentation_2025.pptx
@@ -5,16 +5,17 @@
     <p:sldMasterId id="2147483685" r:id="rId1"/>
   </p:sldMasterIdLst>
   <p:notesMasterIdLst>
-    <p:notesMasterId r:id="rId6"/>
+    <p:notesMasterId r:id="rId7"/>
   </p:notesMasterIdLst>
   <p:handoutMasterIdLst>
-    <p:handoutMasterId r:id="rId7"/>
+    <p:handoutMasterId r:id="rId8"/>
   </p:handoutMasterIdLst>
   <p:sldIdLst>
     <p:sldId id="257" r:id="rId2"/>
     <p:sldId id="261" r:id="rId3"/>
     <p:sldId id="262" r:id="rId4"/>
-    <p:sldId id="260" r:id="rId5"/>
+    <p:sldId id="263" r:id="rId5"/>
+    <p:sldId id="260" r:id="rId6"/>
   </p:sldIdLst>
   <p:sldSz cx="12192000" cy="6858000"/>
   <p:notesSz cx="6858000" cy="9144000"/>
@@ -218,7 +219,7 @@
           <a:p>
             <a:fld id="{2C1DBEAA-7152-4BC6-BE4A-CBD9DB0C0D4B}" type="datetimeFigureOut">
               <a:rPr lang="de-DE" smtClean="0"/>
-              <a:t>15.05.2025</a:t>
+              <a:t>19.05.2025</a:t>
             </a:fld>
             <a:endParaRPr lang="de-DE"/>
           </a:p>
@@ -384,7 +385,7 @@
           <a:p>
             <a:fld id="{245D11F8-689B-43AA-9E80-982C3560438C}" type="datetimeFigureOut">
               <a:rPr lang="de-DE" smtClean="0"/>
-              <a:t>15.05.2025</a:t>
+              <a:t>19.05.2025</a:t>
             </a:fld>
             <a:endParaRPr lang="de-DE" dirty="0"/>
           </a:p>
@@ -1376,7 +1377,7 @@
           <a:p>
             <a:fld id="{D1292819-ADC9-4CBB-A8DB-AFFBD4842A17}" type="datetime1">
               <a:rPr lang="de-DE" smtClean="0"/>
-              <a:t>15.05.2025</a:t>
+              <a:t>19.05.2025</a:t>
             </a:fld>
             <a:endParaRPr lang="de-DE" dirty="0"/>
           </a:p>
@@ -1772,7 +1773,7 @@
           <a:p>
             <a:fld id="{D1292819-ADC9-4CBB-A8DB-AFFBD4842A17}" type="datetime1">
               <a:rPr lang="de-DE" smtClean="0"/>
-              <a:t>15.05.2025</a:t>
+              <a:t>19.05.2025</a:t>
             </a:fld>
             <a:endParaRPr lang="de-DE" dirty="0"/>
           </a:p>
@@ -2466,7 +2467,7 @@
           <a:p>
             <a:fld id="{E645AC39-0A36-4529-97D9-51E39D58F03C}" type="datetime1">
               <a:rPr lang="de-DE" smtClean="0"/>
-              <a:t>15.05.2025</a:t>
+              <a:t>19.05.2025</a:t>
             </a:fld>
             <a:endParaRPr lang="de-DE" dirty="0"/>
           </a:p>
@@ -3676,7 +3677,7 @@
           <a:p>
             <a:fld id="{4F0F2E57-08A5-419A-AD3B-EF277D101E3F}" type="datetime1">
               <a:rPr lang="de-DE" smtClean="0"/>
-              <a:t>15.05.2025</a:t>
+              <a:t>19.05.2025</a:t>
             </a:fld>
             <a:endParaRPr lang="de-DE" dirty="0"/>
           </a:p>
@@ -4114,11 +4115,19 @@
           <a:p>
             <a:r>
               <a:rPr lang="de-DE" b="1" dirty="0"/>
-              <a:t>FPGA </a:t>
+              <a:t>FPGA implementation of a rad-</a:t>
             </a:r>
             <a:r>
               <a:rPr lang="de-DE" b="1" dirty="0" err="1"/>
-              <a:t>implementation</a:t>
+              <a:t>hard</a:t>
+            </a:r>
+            <a:r>
+              <a:rPr lang="de-DE" b="1" dirty="0"/>
+              <a:t> adaptive </a:t>
+            </a:r>
+            <a:r>
+              <a:rPr lang="de-DE" b="1" dirty="0" err="1"/>
+              <a:t>baseband</a:t>
             </a:r>
             <a:r>
               <a:rPr lang="de-DE" b="1" dirty="0"/>
@@ -4126,30 +4135,6 @@
             </a:r>
             <a:r>
               <a:rPr lang="de-DE" b="1" dirty="0" err="1"/>
-              <a:t>of</a:t>
-            </a:r>
-            <a:r>
-              <a:rPr lang="de-DE" b="1" dirty="0"/>
-              <a:t> a rad-</a:t>
-            </a:r>
-            <a:r>
-              <a:rPr lang="de-DE" b="1" dirty="0" err="1"/>
-              <a:t>hard</a:t>
-            </a:r>
-            <a:r>
-              <a:rPr lang="de-DE" b="1" dirty="0"/>
-              <a:t> adaptive </a:t>
-            </a:r>
-            <a:r>
-              <a:rPr lang="de-DE" b="1" dirty="0" err="1"/>
-              <a:t>baseband</a:t>
-            </a:r>
-            <a:r>
-              <a:rPr lang="de-DE" b="1" dirty="0"/>
-              <a:t> </a:t>
-            </a:r>
-            <a:r>
-              <a:rPr lang="de-DE" b="1" dirty="0" err="1"/>
               <a:t>processor</a:t>
             </a:r>
             <a:r>
@@ -4172,7 +4157,7 @@
         </p:nvSpPr>
         <p:spPr>
           <a:xfrm>
-            <a:off x="2095500" y="3471857"/>
+            <a:off x="2095500" y="5042461"/>
             <a:ext cx="8204200" cy="391226"/>
           </a:xfrm>
         </p:spPr>
@@ -4182,7 +4167,7 @@
           <a:p>
             <a:r>
               <a:rPr lang="de-DE" dirty="0"/>
-              <a:t>Nicola Miglioranza, Marko Andjelkovic, Nebojsa Maletic, Milos Krstic</a:t>
+              <a:t>Nicola Miglioranza,  Marko Andjelkovic, Nebojsa Maletic, Milos Krstic</a:t>
             </a:r>
           </a:p>
         </p:txBody>
@@ -4197,11 +4182,20 @@
             <p:ph type="body" sz="quarter" idx="10"/>
           </p:nvPr>
         </p:nvSpPr>
-        <p:spPr/>
+        <p:spPr>
+          <a:xfrm>
+            <a:off x="2095500" y="3824170"/>
+            <a:ext cx="5880100" cy="793750"/>
+          </a:xfrm>
+        </p:spPr>
         <p:txBody>
           <a:bodyPr/>
           <a:lstStyle/>
           <a:p>
+            <a:r>
+              <a:rPr lang="en-US" dirty="0"/>
+              <a:t>TWIN-RELECT training school, </a:t>
+            </a:r>
             <a:r>
               <a:rPr lang="de-DE" dirty="0"/>
               <a:t>19.05 – 21.05.2025</a:t>
@@ -4225,7 +4219,7 @@
         </p:nvSpPr>
         <p:spPr>
           <a:xfrm>
-            <a:off x="2095500" y="3812953"/>
+            <a:off x="2095500" y="4277396"/>
             <a:ext cx="8204200" cy="391226"/>
           </a:xfrm>
           <a:prstGeom prst="rect">
@@ -4471,7 +4465,7 @@
         </p:blipFill>
         <p:spPr>
           <a:xfrm>
-            <a:off x="2808214" y="3838356"/>
+            <a:off x="2808214" y="3897731"/>
             <a:ext cx="5422020" cy="2085654"/>
           </a:xfrm>
           <a:prstGeom prst="rect">
@@ -4541,27 +4535,155 @@
                   <a:srgbClr val="002060"/>
                 </a:solidFill>
               </a:rPr>
-              <a:t>Integrating terrestrial (TNs) and non-terrestrial networks (NTNs) into a unified 3D network improves reliability and coverage, overcoming terrestrial limitations and requiring robust technologies for harsh environments typical of the future 6G networks.</a:t>
-            </a:r>
-          </a:p>
-          <a:p>
+              <a:t>Integrating terrestrial (</a:t>
+            </a:r>
+            <a:r>
+              <a:rPr lang="en-US" b="1" dirty="0">
+                <a:solidFill>
+                  <a:srgbClr val="002060"/>
+                </a:solidFill>
+              </a:rPr>
+              <a:t>TNs</a:t>
+            </a:r>
             <a:r>
               <a:rPr lang="en-US" dirty="0">
                 <a:solidFill>
                   <a:srgbClr val="002060"/>
                 </a:solidFill>
               </a:rPr>
-              <a:t> The digital baseband processor, the backhaul hardware responsible for data processing in the physical layer, represents a key component in the next wireless communication infrastructure. </a:t>
-            </a:r>
-          </a:p>
-          <a:p>
+              <a:t>) and non-terrestrial networks (</a:t>
+            </a:r>
+            <a:r>
+              <a:rPr lang="en-US" b="1" dirty="0">
+                <a:solidFill>
+                  <a:srgbClr val="002060"/>
+                </a:solidFill>
+              </a:rPr>
+              <a:t>NTNs</a:t>
+            </a:r>
             <a:r>
               <a:rPr lang="en-US" dirty="0">
                 <a:solidFill>
                   <a:srgbClr val="002060"/>
                 </a:solidFill>
               </a:rPr>
-              <a:t>The implementation of the baseband in NTNs vehicles, such as satellites and drones, requires a rad-hardening analysis to prevent the soft errors (SEUs and SETs) coming from space radiations.</a:t>
+              <a:t>) into a unified </a:t>
+            </a:r>
+            <a:r>
+              <a:rPr lang="en-US" b="1" dirty="0">
+                <a:solidFill>
+                  <a:srgbClr val="002060"/>
+                </a:solidFill>
+              </a:rPr>
+              <a:t>3D network </a:t>
+            </a:r>
+            <a:r>
+              <a:rPr lang="en-US" dirty="0">
+                <a:solidFill>
+                  <a:srgbClr val="002060"/>
+                </a:solidFill>
+              </a:rPr>
+              <a:t>improves reliability and coverage, overcoming terrestrial limitations and requiring robust technologies for harsh environments typical of the future </a:t>
+            </a:r>
+            <a:r>
+              <a:rPr lang="en-US" b="1" dirty="0">
+                <a:solidFill>
+                  <a:srgbClr val="002060"/>
+                </a:solidFill>
+              </a:rPr>
+              <a:t>6G</a:t>
+            </a:r>
+            <a:r>
+              <a:rPr lang="en-US" dirty="0">
+                <a:solidFill>
+                  <a:srgbClr val="002060"/>
+                </a:solidFill>
+              </a:rPr>
+              <a:t> networks.</a:t>
+            </a:r>
+          </a:p>
+          <a:p>
+            <a:r>
+              <a:rPr lang="en-US" dirty="0">
+                <a:solidFill>
+                  <a:srgbClr val="002060"/>
+                </a:solidFill>
+              </a:rPr>
+              <a:t> The digital </a:t>
+            </a:r>
+            <a:r>
+              <a:rPr lang="en-US" b="1" dirty="0">
+                <a:solidFill>
+                  <a:srgbClr val="002060"/>
+                </a:solidFill>
+              </a:rPr>
+              <a:t>baseband processor</a:t>
+            </a:r>
+            <a:r>
+              <a:rPr lang="en-US" dirty="0">
+                <a:solidFill>
+                  <a:srgbClr val="002060"/>
+                </a:solidFill>
+              </a:rPr>
+              <a:t>, the backhaul hardware responsible for </a:t>
+            </a:r>
+            <a:r>
+              <a:rPr lang="en-US" b="1" dirty="0">
+                <a:solidFill>
+                  <a:srgbClr val="002060"/>
+                </a:solidFill>
+              </a:rPr>
+              <a:t>data processing </a:t>
+            </a:r>
+            <a:r>
+              <a:rPr lang="en-US" dirty="0">
+                <a:solidFill>
+                  <a:srgbClr val="002060"/>
+                </a:solidFill>
+              </a:rPr>
+              <a:t>in the physical layer, represents a key component in the next wireless communication infrastructure. </a:t>
+            </a:r>
+          </a:p>
+          <a:p>
+            <a:r>
+              <a:rPr lang="en-US" dirty="0">
+                <a:solidFill>
+                  <a:srgbClr val="002060"/>
+                </a:solidFill>
+              </a:rPr>
+              <a:t> Implementing the baseband in </a:t>
+            </a:r>
+            <a:r>
+              <a:rPr lang="en-US" b="1" dirty="0">
+                <a:solidFill>
+                  <a:srgbClr val="002060"/>
+                </a:solidFill>
+              </a:rPr>
+              <a:t>NTNs vehicles</a:t>
+            </a:r>
+            <a:r>
+              <a:rPr lang="en-US" dirty="0">
+                <a:solidFill>
+                  <a:srgbClr val="002060"/>
+                </a:solidFill>
+              </a:rPr>
+              <a:t>, such as satellites and drones, requires a rad-hardening analysis to prevent the occurrence of soft errors (</a:t>
+            </a:r>
+            <a:r>
+              <a:rPr lang="en-US" b="1" dirty="0">
+                <a:solidFill>
+                  <a:srgbClr val="002060"/>
+                </a:solidFill>
+              </a:rPr>
+              <a:t>SEUs and SETs</a:t>
+            </a:r>
+            <a:r>
+              <a:rPr lang="en-US" dirty="0">
+                <a:solidFill>
+                  <a:srgbClr val="002060"/>
+                </a:solidFill>
+              </a:rPr>
+              <a:t>) coming from space radiation.</a:t>
             </a:r>
           </a:p>
         </p:txBody>
@@ -4589,7 +4711,7 @@
           <a:p>
             <a:fld id="{E645AC39-0A36-4529-97D9-51E39D58F03C}" type="datetime1">
               <a:rPr lang="de-DE" smtClean="0"/>
-              <a:t>15.05.2025</a:t>
+              <a:t>19.05.2025</a:t>
             </a:fld>
             <a:endParaRPr lang="de-DE" dirty="0"/>
           </a:p>
@@ -4617,8 +4739,8 @@
           <a:lstStyle/>
           <a:p>
             <a:r>
-              <a:rPr lang="en-US"/>
-              <a:t>www.ihp-microelectronics.com | © IHP all rights reserved | Event XYZ</a:t>
+              <a:rPr lang="en-US" dirty="0"/>
+              <a:t>www.ihp-microelectronics.com | © IHP all rights reserved | TWIN-RELECT training school</a:t>
             </a:r>
             <a:endParaRPr lang="de-DE" dirty="0"/>
           </a:p>
@@ -4667,7 +4789,7 @@
         </p:nvSpPr>
         <p:spPr>
           <a:xfrm>
-            <a:off x="3168379" y="5924010"/>
+            <a:off x="3168379" y="5959635"/>
             <a:ext cx="5208998" cy="338554"/>
           </a:xfrm>
           <a:prstGeom prst="rect">
@@ -4683,10 +4805,18 @@
           <a:p>
             <a:pPr algn="ctr"/>
             <a:r>
-              <a:rPr lang="en-US" sz="1600" dirty="0"/>
-              <a:t>Figure 1: General architecture of a 3D network </a:t>
-            </a:r>
-            <a:endParaRPr lang="LID4096" sz="1600" dirty="0"/>
+              <a:rPr lang="en-US" sz="1600" dirty="0">
+                <a:solidFill>
+                  <a:srgbClr val="002060"/>
+                </a:solidFill>
+              </a:rPr>
+              <a:t>Figure 1: General architecture of a 3D network. </a:t>
+            </a:r>
+            <a:endParaRPr lang="LID4096" sz="1600" dirty="0">
+              <a:solidFill>
+                <a:srgbClr val="002060"/>
+              </a:solidFill>
+            </a:endParaRPr>
           </a:p>
         </p:txBody>
       </p:sp>
@@ -4747,10 +4877,10 @@
           <a:lstStyle/>
           <a:p>
             <a:r>
-              <a:rPr lang="en-US" sz="3200" b="1" dirty="0"/>
-              <a:t>Rad-Hard Baseband Processor for NTNs</a:t>
-            </a:r>
-            <a:endParaRPr lang="LID4096" sz="3200" b="1" dirty="0"/>
+              <a:rPr lang="en-US" sz="4000" b="1" dirty="0"/>
+              <a:t>Baseband design concept</a:t>
+            </a:r>
+            <a:endParaRPr lang="LID4096" sz="4000" b="1" dirty="0"/>
           </a:p>
         </p:txBody>
       </p:sp>
@@ -4778,60 +4908,101 @@
             <a:r>
               <a:rPr lang="en-US" dirty="0">
                 <a:solidFill>
-                  <a:srgbClr val="7030A0"/>
+                  <a:srgbClr val="002060"/>
                 </a:solidFill>
               </a:rPr>
-              <a:t>The RTL model of the Baseband design was implemented on a commercial Xilinx </a:t>
-            </a:r>
-            <a:r>
-              <a:rPr lang="en-US" dirty="0" err="1">
-                <a:solidFill>
-                  <a:srgbClr val="7030A0"/>
+              <a:t>The baseband design was initially developed in </a:t>
+            </a:r>
+            <a:r>
+              <a:rPr lang="en-US" b="1" dirty="0">
+                <a:solidFill>
+                  <a:srgbClr val="002060"/>
                 </a:solidFill>
               </a:rPr>
-              <a:t>Ultrascale</a:t>
+              <a:t>MATLAB</a:t>
             </a:r>
             <a:r>
               <a:rPr lang="en-US" dirty="0">
                 <a:solidFill>
-                  <a:srgbClr val="7030A0"/>
+                  <a:srgbClr val="002060"/>
                 </a:solidFill>
               </a:rPr>
-              <a:t>+ </a:t>
-            </a:r>
-            <a:r>
-              <a:rPr lang="en-US" dirty="0" err="1">
-                <a:solidFill>
-                  <a:srgbClr val="7030A0"/>
+              <a:t>. For functional verification and validation, its </a:t>
+            </a:r>
+            <a:r>
+              <a:rPr lang="en-US" b="1" dirty="0">
+                <a:solidFill>
+                  <a:srgbClr val="002060"/>
                 </a:solidFill>
               </a:rPr>
-              <a:t>RFSoC</a:t>
+              <a:t>RTL</a:t>
             </a:r>
             <a:r>
               <a:rPr lang="en-US" dirty="0">
                 <a:solidFill>
-                  <a:srgbClr val="7030A0"/>
+                  <a:srgbClr val="002060"/>
                 </a:solidFill>
               </a:rPr>
-              <a:t> FPGA for functional verification and validation. </a:t>
-            </a:r>
-          </a:p>
-          <a:p>
+              <a:t> model was then implemented on a commercial Xilinx Ultrascale+ RFSoC </a:t>
+            </a:r>
+            <a:r>
+              <a:rPr lang="en-US" b="1" dirty="0">
+                <a:solidFill>
+                  <a:srgbClr val="002060"/>
+                </a:solidFill>
+              </a:rPr>
+              <a:t>FPGA</a:t>
+            </a:r>
             <a:r>
               <a:rPr lang="en-US" dirty="0">
                 <a:solidFill>
-                  <a:schemeClr val="tx1"/>
+                  <a:srgbClr val="002060"/>
                 </a:solidFill>
               </a:rPr>
-              <a:t>The fault-tolerance analysis of the baseband design against soft errors will be assessed at the RTL level using the Cadence Incisive Functional Safety Simulator (IFSS).</a:t>
-            </a:r>
-          </a:p>
-          <a:p>
-            <a:endParaRPr lang="en-US" dirty="0">
-              <a:solidFill>
-                <a:srgbClr val="7030A0"/>
-              </a:solidFill>
-            </a:endParaRPr>
+              <a:t>.</a:t>
+            </a:r>
+          </a:p>
+          <a:p>
+            <a:r>
+              <a:rPr lang="en-US" dirty="0">
+                <a:solidFill>
+                  <a:srgbClr val="002060"/>
+                </a:solidFill>
+              </a:rPr>
+              <a:t> The baseband design implements a </a:t>
+            </a:r>
+            <a:r>
+              <a:rPr lang="en-US" b="1" dirty="0">
+                <a:solidFill>
+                  <a:srgbClr val="002060"/>
+                </a:solidFill>
+              </a:rPr>
+              <a:t>single-carrier</a:t>
+            </a:r>
+            <a:r>
+              <a:rPr lang="en-US" dirty="0">
+                <a:solidFill>
+                  <a:srgbClr val="002060"/>
+                </a:solidFill>
+              </a:rPr>
+              <a:t> architecture, with an </a:t>
+            </a:r>
+            <a:r>
+              <a:rPr lang="en-US" b="1" dirty="0">
+                <a:solidFill>
+                  <a:srgbClr val="002060"/>
+                </a:solidFill>
+              </a:rPr>
+              <a:t>adaptive modulation</a:t>
+            </a:r>
+            <a:r>
+              <a:rPr lang="en-US" dirty="0">
+                <a:solidFill>
+                  <a:srgbClr val="002060"/>
+                </a:solidFill>
+              </a:rPr>
+              <a:t>, depending on channel conditions and application requirements.</a:t>
+            </a:r>
           </a:p>
         </p:txBody>
       </p:sp>
@@ -4858,7 +5029,7 @@
           <a:p>
             <a:fld id="{E645AC39-0A36-4529-97D9-51E39D58F03C}" type="datetime1">
               <a:rPr lang="de-DE" smtClean="0"/>
-              <a:t>15.05.2025</a:t>
+              <a:t>19.05.2025</a:t>
             </a:fld>
             <a:endParaRPr lang="de-DE" dirty="0"/>
           </a:p>
@@ -4887,7 +5058,7 @@
           <a:p>
             <a:r>
               <a:rPr lang="en-US" dirty="0"/>
-              <a:t>www.ihp-microelectronics.com | © IHP all rights reserved | Event XYZ</a:t>
+              <a:t>www.ihp-microelectronics.com | © IHP all rights reserved | TWIN-RELECT training school</a:t>
             </a:r>
             <a:endParaRPr lang="de-DE" dirty="0"/>
           </a:p>
@@ -4950,38 +5121,8 @@
         </p:blipFill>
         <p:spPr>
           <a:xfrm>
-            <a:off x="353108" y="3166315"/>
-            <a:ext cx="6530577" cy="2518196"/>
-          </a:xfrm>
-          <a:prstGeom prst="rect">
-            <a:avLst/>
-          </a:prstGeom>
-        </p:spPr>
-      </p:pic>
-      <p:pic>
-        <p:nvPicPr>
-          <p:cNvPr id="10" name="Picture 9">
-            <a:extLst>
-              <a:ext uri="{FF2B5EF4-FFF2-40B4-BE49-F238E27FC236}">
-                <a16:creationId xmlns:a16="http://schemas.microsoft.com/office/drawing/2014/main" id="{B797D354-D143-401D-847D-6B89219BDE5D}"/>
-              </a:ext>
-            </a:extLst>
-          </p:cNvPr>
-          <p:cNvPicPr>
-            <a:picLocks noChangeAspect="1"/>
-          </p:cNvPicPr>
-          <p:nvPr/>
-        </p:nvPicPr>
-        <p:blipFill>
-          <a:blip r:embed="rId4"/>
-          <a:stretch>
-            <a:fillRect/>
-          </a:stretch>
-        </p:blipFill>
-        <p:spPr>
-          <a:xfrm>
-            <a:off x="8044665" y="3804936"/>
-            <a:ext cx="3543595" cy="1879575"/>
+            <a:off x="568114" y="2977333"/>
+            <a:ext cx="6785587" cy="2616528"/>
           </a:xfrm>
           <a:prstGeom prst="rect">
             <a:avLst/>
@@ -5002,7 +5143,7 @@
         </p:nvSpPr>
         <p:spPr>
           <a:xfrm>
-            <a:off x="603740" y="5677139"/>
+            <a:off x="1177397" y="5670478"/>
             <a:ext cx="5208998" cy="338554"/>
           </a:xfrm>
           <a:prstGeom prst="rect">
@@ -5018,19 +5159,548 @@
           <a:p>
             <a:pPr algn="ctr"/>
             <a:r>
-              <a:rPr lang="en-US" sz="1600" dirty="0"/>
-              <a:t>Figure 2: Overall demonstrator concept</a:t>
-            </a:r>
-            <a:endParaRPr lang="LID4096" sz="1600" dirty="0"/>
-          </a:p>
-        </p:txBody>
-      </p:sp>
-      <p:sp>
-        <p:nvSpPr>
-          <p:cNvPr id="12" name="TextBox 11">
+              <a:rPr lang="en-US" sz="1600" dirty="0">
+                <a:solidFill>
+                  <a:srgbClr val="002060"/>
+                </a:solidFill>
+              </a:rPr>
+              <a:t>Figure 2: Overall demonstrator concept.</a:t>
+            </a:r>
+            <a:endParaRPr lang="LID4096" sz="1600" dirty="0">
+              <a:solidFill>
+                <a:srgbClr val="002060"/>
+              </a:solidFill>
+            </a:endParaRPr>
+          </a:p>
+        </p:txBody>
+      </p:sp>
+      <p:graphicFrame>
+        <p:nvGraphicFramePr>
+          <p:cNvPr id="13" name="Table 12">
             <a:extLst>
               <a:ext uri="{FF2B5EF4-FFF2-40B4-BE49-F238E27FC236}">
-                <a16:creationId xmlns:a16="http://schemas.microsoft.com/office/drawing/2014/main" id="{F6DA908C-7745-45B7-953E-EE6FFFB946CA}"/>
+                <a16:creationId xmlns:a16="http://schemas.microsoft.com/office/drawing/2014/main" id="{996F9023-2083-461E-AD50-0DE36919BAF3}"/>
+              </a:ext>
+            </a:extLst>
+          </p:cNvPr>
+          <p:cNvGraphicFramePr>
+            <a:graphicFrameLocks noGrp="1"/>
+          </p:cNvGraphicFramePr>
+          <p:nvPr>
+            <p:extLst>
+              <p:ext uri="{D42A27DB-BD31-4B8C-83A1-F6EECF244321}">
+                <p14:modId xmlns:p14="http://schemas.microsoft.com/office/powerpoint/2010/main" val="1474370446"/>
+              </p:ext>
+            </p:extLst>
+          </p:nvPr>
+        </p:nvGraphicFramePr>
+        <p:xfrm>
+          <a:off x="7940842" y="2914389"/>
+          <a:ext cx="3800113" cy="2987040"/>
+        </p:xfrm>
+        <a:graphic>
+          <a:graphicData uri="http://schemas.openxmlformats.org/drawingml/2006/table">
+            <a:tbl>
+              <a:tblPr firstRow="1" bandRow="1">
+                <a:tableStyleId>{5C22544A-7EE6-4342-B048-85BDC9FD1C3A}</a:tableStyleId>
+              </a:tblPr>
+              <a:tblGrid>
+                <a:gridCol w="1578322">
+                  <a:extLst>
+                    <a:ext uri="{9D8B030D-6E8A-4147-A177-3AD203B41FA5}">
+                      <a16:colId xmlns:a16="http://schemas.microsoft.com/office/drawing/2014/main" val="2248226780"/>
+                    </a:ext>
+                  </a:extLst>
+                </a:gridCol>
+                <a:gridCol w="1090335">
+                  <a:extLst>
+                    <a:ext uri="{9D8B030D-6E8A-4147-A177-3AD203B41FA5}">
+                      <a16:colId xmlns:a16="http://schemas.microsoft.com/office/drawing/2014/main" val="3220283614"/>
+                    </a:ext>
+                  </a:extLst>
+                </a:gridCol>
+                <a:gridCol w="1131456">
+                  <a:extLst>
+                    <a:ext uri="{9D8B030D-6E8A-4147-A177-3AD203B41FA5}">
+                      <a16:colId xmlns:a16="http://schemas.microsoft.com/office/drawing/2014/main" val="3771211425"/>
+                    </a:ext>
+                  </a:extLst>
+                </a:gridCol>
+              </a:tblGrid>
+              <a:tr h="451371">
+                <a:tc>
+                  <a:txBody>
+                    <a:bodyPr/>
+                    <a:lstStyle/>
+                    <a:p>
+                      <a:pPr algn="ctr"/>
+                      <a:r>
+                        <a:rPr lang="en-US" sz="1400" b="1" dirty="0"/>
+                        <a:t>Type of modulation</a:t>
+                      </a:r>
+                      <a:endParaRPr lang="LID4096" sz="1400" b="1" dirty="0"/>
+                    </a:p>
+                  </a:txBody>
+                  <a:tcPr/>
+                </a:tc>
+                <a:tc>
+                  <a:txBody>
+                    <a:bodyPr/>
+                    <a:lstStyle/>
+                    <a:p>
+                      <a:pPr algn="ctr"/>
+                      <a:r>
+                        <a:rPr lang="en-US" sz="1400" b="1" dirty="0"/>
+                        <a:t>Modulation schemes</a:t>
+                      </a:r>
+                      <a:endParaRPr lang="LID4096" sz="1400" b="1" dirty="0"/>
+                    </a:p>
+                  </a:txBody>
+                  <a:tcPr/>
+                </a:tc>
+                <a:tc>
+                  <a:txBody>
+                    <a:bodyPr/>
+                    <a:lstStyle/>
+                    <a:p>
+                      <a:pPr algn="ctr"/>
+                      <a:r>
+                        <a:rPr lang="en-US" sz="1400" b="1" dirty="0"/>
+                        <a:t>Bits per symbol </a:t>
+                      </a:r>
+                      <a:endParaRPr lang="LID4096" sz="1400" b="1" dirty="0"/>
+                    </a:p>
+                  </a:txBody>
+                  <a:tcPr/>
+                </a:tc>
+                <a:extLst>
+                  <a:ext uri="{0D108BD9-81ED-4DB2-BD59-A6C34878D82A}">
+                    <a16:rowId xmlns:a16="http://schemas.microsoft.com/office/drawing/2014/main" val="424689882"/>
+                  </a:ext>
+                </a:extLst>
+              </a:tr>
+              <a:tr h="258682">
+                <a:tc rowSpan="2">
+                  <a:txBody>
+                    <a:bodyPr/>
+                    <a:lstStyle/>
+                    <a:p>
+                      <a:pPr algn="ctr"/>
+                      <a:r>
+                        <a:rPr lang="en-US" sz="1400" b="1" dirty="0"/>
+                        <a:t>Phase Shift Keying</a:t>
+                      </a:r>
+                    </a:p>
+                    <a:p>
+                      <a:pPr algn="ctr"/>
+                      <a:r>
+                        <a:rPr lang="en-US" sz="1400" b="1" dirty="0"/>
+                        <a:t>(PSK)</a:t>
+                      </a:r>
+                      <a:endParaRPr lang="LID4096" sz="1400" b="1" dirty="0"/>
+                    </a:p>
+                  </a:txBody>
+                  <a:tcPr/>
+                </a:tc>
+                <a:tc>
+                  <a:txBody>
+                    <a:bodyPr/>
+                    <a:lstStyle/>
+                    <a:p>
+                      <a:pPr algn="ctr"/>
+                      <a:r>
+                        <a:rPr lang="en-US" sz="1400" b="1" dirty="0"/>
+                        <a:t>BPSK</a:t>
+                      </a:r>
+                      <a:endParaRPr lang="LID4096" sz="1400" b="1" dirty="0"/>
+                    </a:p>
+                  </a:txBody>
+                  <a:tcPr/>
+                </a:tc>
+                <a:tc>
+                  <a:txBody>
+                    <a:bodyPr/>
+                    <a:lstStyle/>
+                    <a:p>
+                      <a:pPr algn="ctr"/>
+                      <a:r>
+                        <a:rPr lang="en-US" sz="1400" b="1" dirty="0"/>
+                        <a:t>1</a:t>
+                      </a:r>
+                      <a:endParaRPr lang="LID4096" sz="1400" b="1" dirty="0"/>
+                    </a:p>
+                  </a:txBody>
+                  <a:tcPr/>
+                </a:tc>
+                <a:extLst>
+                  <a:ext uri="{0D108BD9-81ED-4DB2-BD59-A6C34878D82A}">
+                    <a16:rowId xmlns:a16="http://schemas.microsoft.com/office/drawing/2014/main" val="2086304931"/>
+                  </a:ext>
+                </a:extLst>
+              </a:tr>
+              <a:tr h="263300">
+                <a:tc vMerge="1">
+                  <a:txBody>
+                    <a:bodyPr/>
+                    <a:lstStyle/>
+                    <a:p>
+                      <a:endParaRPr lang="LID4096" dirty="0"/>
+                    </a:p>
+                  </a:txBody>
+                  <a:tcPr/>
+                </a:tc>
+                <a:tc>
+                  <a:txBody>
+                    <a:bodyPr/>
+                    <a:lstStyle/>
+                    <a:p>
+                      <a:pPr algn="ctr"/>
+                      <a:r>
+                        <a:rPr lang="en-US" sz="1400" b="1" dirty="0"/>
+                        <a:t>QPSK</a:t>
+                      </a:r>
+                      <a:endParaRPr lang="LID4096" sz="1400" b="1" dirty="0"/>
+                    </a:p>
+                  </a:txBody>
+                  <a:tcPr/>
+                </a:tc>
+                <a:tc>
+                  <a:txBody>
+                    <a:bodyPr/>
+                    <a:lstStyle/>
+                    <a:p>
+                      <a:pPr algn="ctr"/>
+                      <a:r>
+                        <a:rPr lang="en-US" sz="1400" b="1" dirty="0"/>
+                        <a:t>2</a:t>
+                      </a:r>
+                      <a:endParaRPr lang="LID4096" sz="1400" b="1" dirty="0"/>
+                    </a:p>
+                  </a:txBody>
+                  <a:tcPr/>
+                </a:tc>
+                <a:extLst>
+                  <a:ext uri="{0D108BD9-81ED-4DB2-BD59-A6C34878D82A}">
+                    <a16:rowId xmlns:a16="http://schemas.microsoft.com/office/drawing/2014/main" val="4126547843"/>
+                  </a:ext>
+                </a:extLst>
+              </a:tr>
+              <a:tr h="258682">
+                <a:tc rowSpan="3">
+                  <a:txBody>
+                    <a:bodyPr/>
+                    <a:lstStyle/>
+                    <a:p>
+                      <a:pPr algn="ctr"/>
+                      <a:r>
+                        <a:rPr lang="en-US" sz="1400" b="1" dirty="0"/>
+                        <a:t>Amplitude and Phase Shift Keying </a:t>
+                      </a:r>
+                    </a:p>
+                    <a:p>
+                      <a:pPr algn="ctr"/>
+                      <a:r>
+                        <a:rPr lang="en-US" sz="1400" b="1" dirty="0"/>
+                        <a:t>(APSK)</a:t>
+                      </a:r>
+                      <a:endParaRPr lang="LID4096" sz="1400" b="1" dirty="0"/>
+                    </a:p>
+                  </a:txBody>
+                  <a:tcPr/>
+                </a:tc>
+                <a:tc>
+                  <a:txBody>
+                    <a:bodyPr/>
+                    <a:lstStyle/>
+                    <a:p>
+                      <a:pPr algn="ctr"/>
+                      <a:r>
+                        <a:rPr lang="en-US" sz="1400" b="1" dirty="0"/>
+                        <a:t>16-APSK</a:t>
+                      </a:r>
+                      <a:endParaRPr lang="LID4096" sz="1400" b="1" dirty="0"/>
+                    </a:p>
+                  </a:txBody>
+                  <a:tcPr/>
+                </a:tc>
+                <a:tc>
+                  <a:txBody>
+                    <a:bodyPr/>
+                    <a:lstStyle/>
+                    <a:p>
+                      <a:pPr algn="ctr"/>
+                      <a:r>
+                        <a:rPr lang="en-US" sz="1400" b="1" dirty="0"/>
+                        <a:t>4</a:t>
+                      </a:r>
+                      <a:endParaRPr lang="LID4096" sz="1400" b="1" dirty="0"/>
+                    </a:p>
+                  </a:txBody>
+                  <a:tcPr/>
+                </a:tc>
+                <a:extLst>
+                  <a:ext uri="{0D108BD9-81ED-4DB2-BD59-A6C34878D82A}">
+                    <a16:rowId xmlns:a16="http://schemas.microsoft.com/office/drawing/2014/main" val="3061455716"/>
+                  </a:ext>
+                </a:extLst>
+              </a:tr>
+              <a:tr h="258682">
+                <a:tc vMerge="1">
+                  <a:txBody>
+                    <a:bodyPr/>
+                    <a:lstStyle/>
+                    <a:p>
+                      <a:endParaRPr lang="LID4096" dirty="0"/>
+                    </a:p>
+                  </a:txBody>
+                  <a:tcPr/>
+                </a:tc>
+                <a:tc>
+                  <a:txBody>
+                    <a:bodyPr/>
+                    <a:lstStyle/>
+                    <a:p>
+                      <a:pPr algn="ctr"/>
+                      <a:r>
+                        <a:rPr lang="en-US" sz="1400" b="1" dirty="0"/>
+                        <a:t>32-APSK</a:t>
+                      </a:r>
+                      <a:endParaRPr lang="LID4096" sz="1400" b="1" dirty="0"/>
+                    </a:p>
+                  </a:txBody>
+                  <a:tcPr/>
+                </a:tc>
+                <a:tc>
+                  <a:txBody>
+                    <a:bodyPr/>
+                    <a:lstStyle/>
+                    <a:p>
+                      <a:pPr algn="ctr"/>
+                      <a:r>
+                        <a:rPr lang="en-US" sz="1400" b="1" dirty="0"/>
+                        <a:t>5</a:t>
+                      </a:r>
+                      <a:endParaRPr lang="LID4096" sz="1400" b="1" dirty="0"/>
+                    </a:p>
+                  </a:txBody>
+                  <a:tcPr/>
+                </a:tc>
+                <a:extLst>
+                  <a:ext uri="{0D108BD9-81ED-4DB2-BD59-A6C34878D82A}">
+                    <a16:rowId xmlns:a16="http://schemas.microsoft.com/office/drawing/2014/main" val="391189859"/>
+                  </a:ext>
+                </a:extLst>
+              </a:tr>
+              <a:tr h="258682">
+                <a:tc vMerge="1">
+                  <a:txBody>
+                    <a:bodyPr/>
+                    <a:lstStyle/>
+                    <a:p>
+                      <a:endParaRPr lang="LID4096"/>
+                    </a:p>
+                  </a:txBody>
+                  <a:tcPr/>
+                </a:tc>
+                <a:tc>
+                  <a:txBody>
+                    <a:bodyPr/>
+                    <a:lstStyle/>
+                    <a:p>
+                      <a:pPr algn="ctr"/>
+                      <a:r>
+                        <a:rPr lang="en-US" sz="1400" b="1" dirty="0"/>
+                        <a:t>64-APSK</a:t>
+                      </a:r>
+                      <a:endParaRPr lang="LID4096" sz="1400" b="1" dirty="0"/>
+                    </a:p>
+                  </a:txBody>
+                  <a:tcPr/>
+                </a:tc>
+                <a:tc>
+                  <a:txBody>
+                    <a:bodyPr/>
+                    <a:lstStyle/>
+                    <a:p>
+                      <a:pPr algn="ctr"/>
+                      <a:r>
+                        <a:rPr lang="en-US" sz="1400" b="1" dirty="0"/>
+                        <a:t>6</a:t>
+                      </a:r>
+                      <a:endParaRPr lang="LID4096" sz="1400" b="1" dirty="0"/>
+                    </a:p>
+                  </a:txBody>
+                  <a:tcPr/>
+                </a:tc>
+                <a:extLst>
+                  <a:ext uri="{0D108BD9-81ED-4DB2-BD59-A6C34878D82A}">
+                    <a16:rowId xmlns:a16="http://schemas.microsoft.com/office/drawing/2014/main" val="2954029319"/>
+                  </a:ext>
+                </a:extLst>
+              </a:tr>
+              <a:tr h="258682">
+                <a:tc rowSpan="3">
+                  <a:txBody>
+                    <a:bodyPr/>
+                    <a:lstStyle/>
+                    <a:p>
+                      <a:pPr algn="ctr"/>
+                      <a:r>
+                        <a:rPr lang="en-US" sz="1400" b="1" dirty="0"/>
+                        <a:t>Quadrature Amplitude Modulation</a:t>
+                      </a:r>
+                    </a:p>
+                    <a:p>
+                      <a:pPr algn="ctr"/>
+                      <a:r>
+                        <a:rPr lang="en-US" sz="1400" b="1" dirty="0"/>
+                        <a:t>(QAM)</a:t>
+                      </a:r>
+                      <a:endParaRPr lang="LID4096" sz="1400" b="1" dirty="0"/>
+                    </a:p>
+                  </a:txBody>
+                  <a:tcPr/>
+                </a:tc>
+                <a:tc>
+                  <a:txBody>
+                    <a:bodyPr/>
+                    <a:lstStyle/>
+                    <a:p>
+                      <a:pPr algn="ctr"/>
+                      <a:r>
+                        <a:rPr lang="en-US" sz="1400" b="1" dirty="0"/>
+                        <a:t>16-QAM</a:t>
+                      </a:r>
+                      <a:endParaRPr lang="LID4096" sz="1400" b="1" dirty="0"/>
+                    </a:p>
+                  </a:txBody>
+                  <a:tcPr/>
+                </a:tc>
+                <a:tc>
+                  <a:txBody>
+                    <a:bodyPr/>
+                    <a:lstStyle/>
+                    <a:p>
+                      <a:pPr algn="ctr"/>
+                      <a:r>
+                        <a:rPr lang="en-US" sz="1400" b="1" dirty="0"/>
+                        <a:t>4</a:t>
+                      </a:r>
+                      <a:endParaRPr lang="LID4096" sz="1400" b="1" dirty="0"/>
+                    </a:p>
+                  </a:txBody>
+                  <a:tcPr/>
+                </a:tc>
+                <a:extLst>
+                  <a:ext uri="{0D108BD9-81ED-4DB2-BD59-A6C34878D82A}">
+                    <a16:rowId xmlns:a16="http://schemas.microsoft.com/office/drawing/2014/main" val="1217044430"/>
+                  </a:ext>
+                </a:extLst>
+              </a:tr>
+              <a:tr h="258682">
+                <a:tc vMerge="1">
+                  <a:txBody>
+                    <a:bodyPr/>
+                    <a:lstStyle/>
+                    <a:p>
+                      <a:endParaRPr lang="LID4096" dirty="0"/>
+                    </a:p>
+                  </a:txBody>
+                  <a:tcPr/>
+                </a:tc>
+                <a:tc>
+                  <a:txBody>
+                    <a:bodyPr/>
+                    <a:lstStyle/>
+                    <a:p>
+                      <a:pPr algn="ctr"/>
+                      <a:r>
+                        <a:rPr lang="en-US" sz="1400" b="1" dirty="0"/>
+                        <a:t>32-QAM</a:t>
+                      </a:r>
+                      <a:endParaRPr lang="LID4096" sz="1400" b="1" dirty="0"/>
+                    </a:p>
+                  </a:txBody>
+                  <a:tcPr/>
+                </a:tc>
+                <a:tc>
+                  <a:txBody>
+                    <a:bodyPr/>
+                    <a:lstStyle/>
+                    <a:p>
+                      <a:pPr algn="ctr"/>
+                      <a:r>
+                        <a:rPr lang="en-US" sz="1400" b="1" dirty="0"/>
+                        <a:t>5</a:t>
+                      </a:r>
+                      <a:endParaRPr lang="LID4096" sz="1400" b="1" dirty="0"/>
+                    </a:p>
+                  </a:txBody>
+                  <a:tcPr/>
+                </a:tc>
+                <a:extLst>
+                  <a:ext uri="{0D108BD9-81ED-4DB2-BD59-A6C34878D82A}">
+                    <a16:rowId xmlns:a16="http://schemas.microsoft.com/office/drawing/2014/main" val="3095612258"/>
+                  </a:ext>
+                </a:extLst>
+              </a:tr>
+              <a:tr h="284550">
+                <a:tc vMerge="1">
+                  <a:txBody>
+                    <a:bodyPr/>
+                    <a:lstStyle/>
+                    <a:p>
+                      <a:endParaRPr lang="LID4096"/>
+                    </a:p>
+                  </a:txBody>
+                  <a:tcPr/>
+                </a:tc>
+                <a:tc>
+                  <a:txBody>
+                    <a:bodyPr/>
+                    <a:lstStyle/>
+                    <a:p>
+                      <a:pPr algn="ctr"/>
+                      <a:r>
+                        <a:rPr lang="en-US" sz="1400" b="1" dirty="0"/>
+                        <a:t>64-QAM</a:t>
+                      </a:r>
+                      <a:endParaRPr lang="LID4096" sz="1400" b="1" dirty="0"/>
+                    </a:p>
+                  </a:txBody>
+                  <a:tcPr/>
+                </a:tc>
+                <a:tc>
+                  <a:txBody>
+                    <a:bodyPr/>
+                    <a:lstStyle/>
+                    <a:p>
+                      <a:pPr algn="ctr"/>
+                      <a:r>
+                        <a:rPr lang="en-US" sz="1400" b="1" dirty="0"/>
+                        <a:t>6</a:t>
+                      </a:r>
+                      <a:endParaRPr lang="LID4096" sz="1400" b="1" dirty="0"/>
+                    </a:p>
+                  </a:txBody>
+                  <a:tcPr/>
+                </a:tc>
+                <a:extLst>
+                  <a:ext uri="{0D108BD9-81ED-4DB2-BD59-A6C34878D82A}">
+                    <a16:rowId xmlns:a16="http://schemas.microsoft.com/office/drawing/2014/main" val="441074509"/>
+                  </a:ext>
+                </a:extLst>
+              </a:tr>
+            </a:tbl>
+          </a:graphicData>
+        </a:graphic>
+      </p:graphicFrame>
+      <p:sp>
+        <p:nvSpPr>
+          <p:cNvPr id="14" name="TextBox 13">
+            <a:extLst>
+              <a:ext uri="{FF2B5EF4-FFF2-40B4-BE49-F238E27FC236}">
+                <a16:creationId xmlns:a16="http://schemas.microsoft.com/office/drawing/2014/main" id="{BD1334F2-108D-4C1F-93CC-7842A04B90EA}"/>
               </a:ext>
             </a:extLst>
           </p:cNvPr>
@@ -5039,7 +5709,7 @@
         </p:nvSpPr>
         <p:spPr>
           <a:xfrm>
-            <a:off x="7211963" y="5783484"/>
+            <a:off x="7236399" y="5919770"/>
             <a:ext cx="5208998" cy="338554"/>
           </a:xfrm>
           <a:prstGeom prst="rect">
@@ -5055,26 +5725,18 @@
           <a:p>
             <a:pPr algn="ctr"/>
             <a:r>
-              <a:rPr lang="en-US" sz="1600" dirty="0"/>
-              <a:t>Figure 3: Zynq </a:t>
-            </a:r>
-            <a:r>
-              <a:rPr lang="en-US" sz="1600" dirty="0" err="1"/>
-              <a:t>Ultrascale</a:t>
-            </a:r>
-            <a:r>
-              <a:rPr lang="en-US" sz="1600" dirty="0"/>
-              <a:t>+ </a:t>
-            </a:r>
-            <a:r>
-              <a:rPr lang="en-US" sz="1600" dirty="0" err="1"/>
-              <a:t>RFSoC</a:t>
-            </a:r>
-            <a:r>
-              <a:rPr lang="en-US" sz="1600" dirty="0"/>
-              <a:t> ZCU 111</a:t>
-            </a:r>
-            <a:endParaRPr lang="LID4096" sz="1600" dirty="0"/>
+              <a:rPr lang="en-US" sz="1600" dirty="0">
+                <a:solidFill>
+                  <a:srgbClr val="002060"/>
+                </a:solidFill>
+              </a:rPr>
+              <a:t>Table 1: Selected Modulation schemes.</a:t>
+            </a:r>
+            <a:endParaRPr lang="LID4096" sz="1600" dirty="0">
+              <a:solidFill>
+                <a:srgbClr val="002060"/>
+              </a:solidFill>
+            </a:endParaRPr>
           </a:p>
         </p:txBody>
       </p:sp>
@@ -5092,6 +5754,419 @@
 </file>
 
 <file path=ppt/slides/slide4.xml><?xml version="1.0" encoding="utf-8"?>
+<p:sld xmlns:a="http://schemas.openxmlformats.org/drawingml/2006/main" xmlns:r="http://schemas.openxmlformats.org/officeDocument/2006/relationships" xmlns:p="http://schemas.openxmlformats.org/presentationml/2006/main">
+  <p:cSld>
+    <p:spTree>
+      <p:nvGrpSpPr>
+        <p:cNvPr id="1" name=""/>
+        <p:cNvGrpSpPr/>
+        <p:nvPr/>
+      </p:nvGrpSpPr>
+      <p:grpSpPr>
+        <a:xfrm>
+          <a:off x="0" y="0"/>
+          <a:ext cx="0" cy="0"/>
+          <a:chOff x="0" y="0"/>
+          <a:chExt cx="0" cy="0"/>
+        </a:xfrm>
+      </p:grpSpPr>
+      <p:pic>
+        <p:nvPicPr>
+          <p:cNvPr id="9" name="Picture 8">
+            <a:extLst>
+              <a:ext uri="{FF2B5EF4-FFF2-40B4-BE49-F238E27FC236}">
+                <a16:creationId xmlns:a16="http://schemas.microsoft.com/office/drawing/2014/main" id="{504BCD2E-0E12-42E8-8264-6902332CFF2D}"/>
+              </a:ext>
+            </a:extLst>
+          </p:cNvPr>
+          <p:cNvPicPr>
+            <a:picLocks noChangeAspect="1"/>
+          </p:cNvPicPr>
+          <p:nvPr/>
+        </p:nvPicPr>
+        <p:blipFill>
+          <a:blip r:embed="rId2"/>
+          <a:stretch>
+            <a:fillRect/>
+          </a:stretch>
+        </p:blipFill>
+        <p:spPr>
+          <a:xfrm>
+            <a:off x="4158805" y="3652706"/>
+            <a:ext cx="3874389" cy="2230888"/>
+          </a:xfrm>
+          <a:prstGeom prst="rect">
+            <a:avLst/>
+          </a:prstGeom>
+        </p:spPr>
+      </p:pic>
+      <p:sp>
+        <p:nvSpPr>
+          <p:cNvPr id="2" name="Title 1">
+            <a:extLst>
+              <a:ext uri="{FF2B5EF4-FFF2-40B4-BE49-F238E27FC236}">
+                <a16:creationId xmlns:a16="http://schemas.microsoft.com/office/drawing/2014/main" id="{F319980C-D5BB-4C8D-896B-3E417631B7B6}"/>
+              </a:ext>
+            </a:extLst>
+          </p:cNvPr>
+          <p:cNvSpPr>
+            <a:spLocks noGrp="1"/>
+          </p:cNvSpPr>
+          <p:nvPr>
+            <p:ph type="title"/>
+          </p:nvPr>
+        </p:nvSpPr>
+        <p:spPr/>
+        <p:txBody>
+          <a:bodyPr/>
+          <a:lstStyle/>
+          <a:p>
+            <a:r>
+              <a:rPr lang="en-US" b="1" dirty="0"/>
+              <a:t>Fault injection analysis</a:t>
+            </a:r>
+            <a:endParaRPr lang="LID4096" b="1" dirty="0"/>
+          </a:p>
+        </p:txBody>
+      </p:sp>
+      <p:sp>
+        <p:nvSpPr>
+          <p:cNvPr id="3" name="Content Placeholder 2">
+            <a:extLst>
+              <a:ext uri="{FF2B5EF4-FFF2-40B4-BE49-F238E27FC236}">
+                <a16:creationId xmlns:a16="http://schemas.microsoft.com/office/drawing/2014/main" id="{279C2730-0F76-4997-B06F-315E7D33D158}"/>
+              </a:ext>
+            </a:extLst>
+          </p:cNvPr>
+          <p:cNvSpPr>
+            <a:spLocks noGrp="1"/>
+          </p:cNvSpPr>
+          <p:nvPr>
+            <p:ph idx="1"/>
+          </p:nvPr>
+        </p:nvSpPr>
+        <p:spPr/>
+        <p:txBody>
+          <a:bodyPr/>
+          <a:lstStyle/>
+          <a:p>
+            <a:r>
+              <a:rPr lang="en-US" dirty="0">
+                <a:solidFill>
+                  <a:srgbClr val="002060"/>
+                </a:solidFill>
+              </a:rPr>
+              <a:t>The </a:t>
+            </a:r>
+            <a:r>
+              <a:rPr lang="en-US" b="1" dirty="0">
+                <a:solidFill>
+                  <a:srgbClr val="002060"/>
+                </a:solidFill>
+              </a:rPr>
+              <a:t>fault-tolerance</a:t>
+            </a:r>
+            <a:r>
+              <a:rPr lang="en-US" dirty="0">
+                <a:solidFill>
+                  <a:srgbClr val="002060"/>
+                </a:solidFill>
+              </a:rPr>
+              <a:t> analysis of the baseband design against soft errors will be assessed at the </a:t>
+            </a:r>
+            <a:r>
+              <a:rPr lang="en-US" b="1" dirty="0">
+                <a:solidFill>
+                  <a:srgbClr val="002060"/>
+                </a:solidFill>
+              </a:rPr>
+              <a:t>RTL level </a:t>
+            </a:r>
+            <a:r>
+              <a:rPr lang="en-US" dirty="0">
+                <a:solidFill>
+                  <a:srgbClr val="002060"/>
+                </a:solidFill>
+              </a:rPr>
+              <a:t>using the Cadence Incisive Functional Safety Simulator (IFSS).</a:t>
+            </a:r>
+          </a:p>
+          <a:p>
+            <a:r>
+              <a:rPr lang="en-US" dirty="0">
+                <a:solidFill>
+                  <a:srgbClr val="002060"/>
+                </a:solidFill>
+              </a:rPr>
+              <a:t>Fault analysis will identify the functional blocks most susceptible to </a:t>
+            </a:r>
+            <a:r>
+              <a:rPr lang="en-US" b="1" dirty="0">
+                <a:solidFill>
+                  <a:srgbClr val="002060"/>
+                </a:solidFill>
+              </a:rPr>
+              <a:t>soft errors</a:t>
+            </a:r>
+            <a:r>
+              <a:rPr lang="en-US" dirty="0">
+                <a:solidFill>
+                  <a:srgbClr val="002060"/>
+                </a:solidFill>
+              </a:rPr>
+              <a:t>, enabling the injection of both </a:t>
+            </a:r>
+            <a:r>
+              <a:rPr lang="en-US" b="1" dirty="0">
+                <a:solidFill>
+                  <a:srgbClr val="002060"/>
+                </a:solidFill>
+              </a:rPr>
+              <a:t>SEUs</a:t>
+            </a:r>
+            <a:r>
+              <a:rPr lang="en-US" dirty="0">
+                <a:solidFill>
+                  <a:srgbClr val="002060"/>
+                </a:solidFill>
+              </a:rPr>
+              <a:t> and </a:t>
+            </a:r>
+            <a:r>
+              <a:rPr lang="en-US" b="1" dirty="0">
+                <a:solidFill>
+                  <a:srgbClr val="002060"/>
+                </a:solidFill>
+              </a:rPr>
+              <a:t>SETs</a:t>
+            </a:r>
+            <a:r>
+              <a:rPr lang="en-US" dirty="0">
+                <a:solidFill>
+                  <a:srgbClr val="002060"/>
+                </a:solidFill>
+              </a:rPr>
+              <a:t> to determine the most appropriate fault </a:t>
+            </a:r>
+            <a:r>
+              <a:rPr lang="en-US" b="1" dirty="0">
+                <a:solidFill>
+                  <a:srgbClr val="002060"/>
+                </a:solidFill>
+              </a:rPr>
+              <a:t>mitigation strategy </a:t>
+            </a:r>
+            <a:r>
+              <a:rPr lang="en-US" dirty="0">
+                <a:solidFill>
+                  <a:srgbClr val="002060"/>
+                </a:solidFill>
+              </a:rPr>
+              <a:t>for each block.</a:t>
+            </a:r>
+          </a:p>
+          <a:p>
+            <a:r>
+              <a:rPr lang="LID4096" altLang="LID4096" dirty="0">
+                <a:solidFill>
+                  <a:srgbClr val="002060"/>
+                </a:solidFill>
+                <a:latin typeface="+mj-lt"/>
+              </a:rPr>
+              <a:t>The selected mitigation strategies are </a:t>
+            </a:r>
+            <a:r>
+              <a:rPr lang="LID4096" altLang="LID4096" b="1" dirty="0">
+                <a:solidFill>
+                  <a:srgbClr val="002060"/>
+                </a:solidFill>
+                <a:latin typeface="+mj-lt"/>
+              </a:rPr>
+              <a:t>Dual Modular Redundancy (DMR)</a:t>
+            </a:r>
+            <a:r>
+              <a:rPr lang="LID4096" altLang="LID4096" dirty="0">
+                <a:solidFill>
+                  <a:srgbClr val="002060"/>
+                </a:solidFill>
+                <a:latin typeface="+mj-lt"/>
+              </a:rPr>
+              <a:t> with comparison and </a:t>
+            </a:r>
+            <a:r>
+              <a:rPr lang="LID4096" altLang="LID4096" b="1" dirty="0">
+                <a:solidFill>
+                  <a:srgbClr val="002060"/>
+                </a:solidFill>
+                <a:latin typeface="+mj-lt"/>
+              </a:rPr>
+              <a:t>Triple Modular Redundancy (TMR)</a:t>
+            </a:r>
+            <a:r>
+              <a:rPr lang="LID4096" altLang="LID4096" dirty="0">
+                <a:solidFill>
+                  <a:srgbClr val="002060"/>
+                </a:solidFill>
+                <a:latin typeface="+mj-lt"/>
+              </a:rPr>
+              <a:t> for the worst-case scenarios.</a:t>
+            </a:r>
+          </a:p>
+          <a:p>
+            <a:endParaRPr lang="en-US" dirty="0">
+              <a:solidFill>
+                <a:srgbClr val="002060"/>
+              </a:solidFill>
+            </a:endParaRPr>
+          </a:p>
+        </p:txBody>
+      </p:sp>
+      <p:sp>
+        <p:nvSpPr>
+          <p:cNvPr id="4" name="Date Placeholder 3">
+            <a:extLst>
+              <a:ext uri="{FF2B5EF4-FFF2-40B4-BE49-F238E27FC236}">
+                <a16:creationId xmlns:a16="http://schemas.microsoft.com/office/drawing/2014/main" id="{7505B0C5-FA9E-44E6-B621-C907CDEF784E}"/>
+              </a:ext>
+            </a:extLst>
+          </p:cNvPr>
+          <p:cNvSpPr>
+            <a:spLocks noGrp="1"/>
+          </p:cNvSpPr>
+          <p:nvPr>
+            <p:ph type="dt" sz="half" idx="10"/>
+          </p:nvPr>
+        </p:nvSpPr>
+        <p:spPr/>
+        <p:txBody>
+          <a:bodyPr/>
+          <a:lstStyle/>
+          <a:p>
+            <a:fld id="{E645AC39-0A36-4529-97D9-51E39D58F03C}" type="datetime1">
+              <a:rPr lang="de-DE" smtClean="0"/>
+              <a:t>19.05.2025</a:t>
+            </a:fld>
+            <a:endParaRPr lang="de-DE" dirty="0"/>
+          </a:p>
+        </p:txBody>
+      </p:sp>
+      <p:sp>
+        <p:nvSpPr>
+          <p:cNvPr id="5" name="Footer Placeholder 4">
+            <a:extLst>
+              <a:ext uri="{FF2B5EF4-FFF2-40B4-BE49-F238E27FC236}">
+                <a16:creationId xmlns:a16="http://schemas.microsoft.com/office/drawing/2014/main" id="{E1DF4C3B-1D28-410E-86E8-BB36A6AB447B}"/>
+              </a:ext>
+            </a:extLst>
+          </p:cNvPr>
+          <p:cNvSpPr>
+            <a:spLocks noGrp="1"/>
+          </p:cNvSpPr>
+          <p:nvPr>
+            <p:ph type="ftr" sz="quarter" idx="11"/>
+          </p:nvPr>
+        </p:nvSpPr>
+        <p:spPr/>
+        <p:txBody>
+          <a:bodyPr/>
+          <a:lstStyle/>
+          <a:p>
+            <a:r>
+              <a:rPr lang="en-US"/>
+              <a:t>www.ihp-microelectronics.com | © IHP all rights reserved | Event XYZ</a:t>
+            </a:r>
+            <a:endParaRPr lang="de-DE" dirty="0"/>
+          </a:p>
+        </p:txBody>
+      </p:sp>
+      <p:sp>
+        <p:nvSpPr>
+          <p:cNvPr id="6" name="Slide Number Placeholder 5">
+            <a:extLst>
+              <a:ext uri="{FF2B5EF4-FFF2-40B4-BE49-F238E27FC236}">
+                <a16:creationId xmlns:a16="http://schemas.microsoft.com/office/drawing/2014/main" id="{D80738BF-9278-4110-864D-4ACD53795B0E}"/>
+              </a:ext>
+            </a:extLst>
+          </p:cNvPr>
+          <p:cNvSpPr>
+            <a:spLocks noGrp="1"/>
+          </p:cNvSpPr>
+          <p:nvPr>
+            <p:ph type="sldNum" sz="quarter" idx="12"/>
+          </p:nvPr>
+        </p:nvSpPr>
+        <p:spPr/>
+        <p:txBody>
+          <a:bodyPr/>
+          <a:lstStyle/>
+          <a:p>
+            <a:fld id="{1A763691-5DD7-4303-8CE4-C698CA43CB3D}" type="slidenum">
+              <a:rPr lang="de-DE" smtClean="0"/>
+              <a:t>4</a:t>
+            </a:fld>
+            <a:endParaRPr lang="de-DE" dirty="0"/>
+          </a:p>
+        </p:txBody>
+      </p:sp>
+      <p:sp>
+        <p:nvSpPr>
+          <p:cNvPr id="10" name="TextBox 9">
+            <a:extLst>
+              <a:ext uri="{FF2B5EF4-FFF2-40B4-BE49-F238E27FC236}">
+                <a16:creationId xmlns:a16="http://schemas.microsoft.com/office/drawing/2014/main" id="{6323D1D2-CED8-4439-BD7C-F772C65CE14B}"/>
+              </a:ext>
+            </a:extLst>
+          </p:cNvPr>
+          <p:cNvSpPr txBox="1"/>
+          <p:nvPr/>
+        </p:nvSpPr>
+        <p:spPr>
+          <a:xfrm>
+            <a:off x="3398082" y="5883594"/>
+            <a:ext cx="5208998" cy="338554"/>
+          </a:xfrm>
+          <a:prstGeom prst="rect">
+            <a:avLst/>
+          </a:prstGeom>
+          <a:noFill/>
+        </p:spPr>
+        <p:txBody>
+          <a:bodyPr wrap="square" rtlCol="0">
+            <a:spAutoFit/>
+          </a:bodyPr>
+          <a:lstStyle/>
+          <a:p>
+            <a:pPr algn="ctr"/>
+            <a:r>
+              <a:rPr lang="en-US" sz="1600" dirty="0">
+                <a:solidFill>
+                  <a:srgbClr val="002060"/>
+                </a:solidFill>
+              </a:rPr>
+              <a:t>Figure 3: Implementation of DMR with comparison.</a:t>
+            </a:r>
+            <a:endParaRPr lang="LID4096" sz="1600" dirty="0">
+              <a:solidFill>
+                <a:srgbClr val="002060"/>
+              </a:solidFill>
+            </a:endParaRPr>
+          </a:p>
+        </p:txBody>
+      </p:sp>
+    </p:spTree>
+    <p:extLst>
+      <p:ext uri="{BB962C8B-B14F-4D97-AF65-F5344CB8AC3E}">
+        <p14:creationId xmlns:p14="http://schemas.microsoft.com/office/powerpoint/2010/main" val="1141046594"/>
+      </p:ext>
+    </p:extLst>
+  </p:cSld>
+  <p:clrMapOvr>
+    <a:masterClrMapping/>
+  </p:clrMapOvr>
+</p:sld>
+</file>
+
+<file path=ppt/slides/slide5.xml><?xml version="1.0" encoding="utf-8"?>
 <p:sld xmlns:a="http://schemas.openxmlformats.org/drawingml/2006/main" xmlns:r="http://schemas.openxmlformats.org/officeDocument/2006/relationships" xmlns:p="http://schemas.openxmlformats.org/presentationml/2006/main">
   <p:cSld>
     <p:spTree>
